--- a/b1dec75934931593.pptx
+++ b/b1dec75934931593.pptx
@@ -214,7 +214,7 @@
           <a:p>
             <a:fld id="{0F9B84EA-7D68-4D60-9CB1-D50884785D1C}" type="datetimeFigureOut">
               <a:rPr lang="en-US" smtClean="0"/>
-              <a:t>4/17/2022</a:t>
+              <a:t>4/22/2022</a:t>
             </a:fld>
             <a:endParaRPr lang="en-US"/>
           </a:p>
@@ -379,7 +379,7 @@
           <a:p>
             <a:fld id="{D6C8D182-E4C8-4120-9249-FC9774456FFA}" type="datetimeFigureOut">
               <a:rPr lang="en-US" smtClean="0"/>
-              <a:t>4/17/2022</a:t>
+              <a:t>4/22/2022</a:t>
             </a:fld>
             <a:endParaRPr lang="en-US"/>
           </a:p>
@@ -720,7 +720,7 @@
           <a:p>
             <a:fld id="{760FBDFE-C587-4B4C-A407-44438C67B59E}" type="datetimeFigureOut">
               <a:rPr lang="en-US" smtClean="0"/>
-              <a:t>4/17/2022</a:t>
+              <a:t>4/22/2022</a:t>
             </a:fld>
             <a:endParaRPr lang="en-US"/>
           </a:p>
@@ -887,7 +887,7 @@
           <a:p>
             <a:fld id="{760FBDFE-C587-4B4C-A407-44438C67B59E}" type="datetimeFigureOut">
               <a:rPr lang="en-US" smtClean="0"/>
-              <a:t>4/17/2022</a:t>
+              <a:t>4/22/2022</a:t>
             </a:fld>
             <a:endParaRPr lang="en-US"/>
           </a:p>
@@ -1204,7 +1204,7 @@
           <a:p>
             <a:fld id="{760FBDFE-C587-4B4C-A407-44438C67B59E}" type="datetimeFigureOut">
               <a:rPr lang="en-US" smtClean="0"/>
-              <a:t>4/17/2022</a:t>
+              <a:t>4/22/2022</a:t>
             </a:fld>
             <a:endParaRPr lang="en-US"/>
           </a:p>
@@ -1452,7 +1452,7 @@
           <a:p>
             <a:fld id="{760FBDFE-C587-4B4C-A407-44438C67B59E}" type="datetimeFigureOut">
               <a:rPr lang="en-US" smtClean="0"/>
-              <a:t>4/17/2022</a:t>
+              <a:t>4/22/2022</a:t>
             </a:fld>
             <a:endParaRPr lang="en-US"/>
           </a:p>
@@ -1853,7 +1853,7 @@
           <a:p>
             <a:fld id="{760FBDFE-C587-4B4C-A407-44438C67B59E}" type="datetimeFigureOut">
               <a:rPr lang="en-US" smtClean="0"/>
-              <a:t>4/17/2022</a:t>
+              <a:t>4/22/2022</a:t>
             </a:fld>
             <a:endParaRPr lang="en-US"/>
           </a:p>
@@ -2228,7 +2228,7 @@
           <a:p>
             <a:fld id="{760FBDFE-C587-4B4C-A407-44438C67B59E}" type="datetimeFigureOut">
               <a:rPr lang="en-US" smtClean="0"/>
-              <a:t>4/17/2022</a:t>
+              <a:t>4/22/2022</a:t>
             </a:fld>
             <a:endParaRPr lang="en-US"/>
           </a:p>
@@ -2355,7 +2355,7 @@
           <a:p>
             <a:fld id="{760FBDFE-C587-4B4C-A407-44438C67B59E}" type="datetimeFigureOut">
               <a:rPr lang="en-US" smtClean="0"/>
-              <a:t>4/17/2022</a:t>
+              <a:t>4/22/2022</a:t>
             </a:fld>
             <a:endParaRPr lang="en-US"/>
           </a:p>
@@ -2445,7 +2445,7 @@
           <a:p>
             <a:fld id="{760FBDFE-C587-4B4C-A407-44438C67B59E}" type="datetimeFigureOut">
               <a:rPr lang="en-US" smtClean="0"/>
-              <a:t>4/17/2022</a:t>
+              <a:t>4/22/2022</a:t>
             </a:fld>
             <a:endParaRPr lang="en-US"/>
           </a:p>
@@ -2703,7 +2703,7 @@
           <a:p>
             <a:fld id="{9EFD9D74-47D9-4702-A33C-335B63B48DBF}" type="datetimeFigureOut">
               <a:rPr lang="en-US" smtClean="0"/>
-              <a:t>4/17/2022</a:t>
+              <a:t>4/22/2022</a:t>
             </a:fld>
             <a:endParaRPr lang="en-US" dirty="0"/>
           </a:p>
@@ -2882,7 +2882,7 @@
           <a:p>
             <a:fld id="{760FBDFE-C587-4B4C-A407-44438C67B59E}" type="datetimeFigureOut">
               <a:rPr lang="en-US" smtClean="0"/>
-              <a:t>4/17/2022</a:t>
+              <a:t>4/22/2022</a:t>
             </a:fld>
             <a:endParaRPr lang="en-US"/>
           </a:p>
@@ -3112,7 +3112,7 @@
           <a:p>
             <a:fld id="{760FBDFE-C587-4B4C-A407-44438C67B59E}" type="datetimeFigureOut">
               <a:rPr lang="en-US" smtClean="0"/>
-              <a:t>4/17/2022</a:t>
+              <a:t>4/22/2022</a:t>
             </a:fld>
             <a:endParaRPr lang="en-US" dirty="0"/>
           </a:p>
@@ -3567,9 +3567,30 @@
           <a:lstStyle/>
           <a:p>
             <a:r>
-              <a:rPr lang="ru-RU" altLang="en-US"/>
-              <a:t>авторы: Данил Хардкор и Дядя Ваня Хрен</a:t>
-            </a:r>
+              <a:rPr lang="ru-RU" altLang="en-US" dirty="0"/>
+              <a:t>авторы: Данил </a:t>
+            </a:r>
+            <a:r>
+              <a:rPr lang="ru-RU" altLang="en-US" dirty="0" err="1" smtClean="0"/>
+              <a:t>Хард</a:t>
+            </a:r>
+            <a:r>
+              <a:rPr lang="ru-RU" altLang="en-US" dirty="0" err="1" smtClean="0"/>
+              <a:t>иков</a:t>
+            </a:r>
+            <a:r>
+              <a:rPr lang="ru-RU" altLang="en-US" dirty="0" smtClean="0"/>
+              <a:t> и </a:t>
+            </a:r>
+            <a:r>
+              <a:rPr lang="ru-RU" altLang="en-US" dirty="0" err="1" smtClean="0"/>
+              <a:t>Ефанов.И</a:t>
+            </a:r>
+            <a:r>
+              <a:rPr lang="ru-RU" altLang="en-US" dirty="0" smtClean="0"/>
+              <a:t>.</a:t>
+            </a:r>
+            <a:endParaRPr lang="ru-RU" altLang="en-US" dirty="0"/>
           </a:p>
         </p:txBody>
       </p:sp>
